--- a/presentation/Forest’s secrets.pptx
+++ b/presentation/Forest’s secrets.pptx
@@ -113,6 +113,11 @@
       </a:defRPr>
     </a:lvl9pPr>
   </p:defaultTextStyle>
+  <p:extLst>
+    <p:ext uri="{EFAFB233-063F-42B5-8137-9DF3F51BA10A}">
+      <p15:sldGuideLst xmlns:p15="http://schemas.microsoft.com/office/powerpoint/2012/main"/>
+    </p:ext>
+  </p:extLst>
 </p:presentation>
 </file>
 
@@ -247,7 +252,7 @@
           <a:p>
             <a:fld id="{77DE911B-CBFB-491D-B940-0A62F44B44CC}" type="datetimeFigureOut">
               <a:rPr lang="ru-RU" smtClean="0"/>
-              <a:t>04.02.2024</a:t>
+              <a:t>05.02.2024</a:t>
             </a:fld>
             <a:endParaRPr lang="ru-RU"/>
           </a:p>
@@ -417,7 +422,7 @@
           <a:p>
             <a:fld id="{77DE911B-CBFB-491D-B940-0A62F44B44CC}" type="datetimeFigureOut">
               <a:rPr lang="ru-RU" smtClean="0"/>
-              <a:t>04.02.2024</a:t>
+              <a:t>05.02.2024</a:t>
             </a:fld>
             <a:endParaRPr lang="ru-RU"/>
           </a:p>
@@ -597,7 +602,7 @@
           <a:p>
             <a:fld id="{77DE911B-CBFB-491D-B940-0A62F44B44CC}" type="datetimeFigureOut">
               <a:rPr lang="ru-RU" smtClean="0"/>
-              <a:t>04.02.2024</a:t>
+              <a:t>05.02.2024</a:t>
             </a:fld>
             <a:endParaRPr lang="ru-RU"/>
           </a:p>
@@ -767,7 +772,7 @@
           <a:p>
             <a:fld id="{77DE911B-CBFB-491D-B940-0A62F44B44CC}" type="datetimeFigureOut">
               <a:rPr lang="ru-RU" smtClean="0"/>
-              <a:t>04.02.2024</a:t>
+              <a:t>05.02.2024</a:t>
             </a:fld>
             <a:endParaRPr lang="ru-RU"/>
           </a:p>
@@ -1013,7 +1018,7 @@
           <a:p>
             <a:fld id="{77DE911B-CBFB-491D-B940-0A62F44B44CC}" type="datetimeFigureOut">
               <a:rPr lang="ru-RU" smtClean="0"/>
-              <a:t>04.02.2024</a:t>
+              <a:t>05.02.2024</a:t>
             </a:fld>
             <a:endParaRPr lang="ru-RU"/>
           </a:p>
@@ -1245,7 +1250,7 @@
           <a:p>
             <a:fld id="{77DE911B-CBFB-491D-B940-0A62F44B44CC}" type="datetimeFigureOut">
               <a:rPr lang="ru-RU" smtClean="0"/>
-              <a:t>04.02.2024</a:t>
+              <a:t>05.02.2024</a:t>
             </a:fld>
             <a:endParaRPr lang="ru-RU"/>
           </a:p>
@@ -1612,7 +1617,7 @@
           <a:p>
             <a:fld id="{77DE911B-CBFB-491D-B940-0A62F44B44CC}" type="datetimeFigureOut">
               <a:rPr lang="ru-RU" smtClean="0"/>
-              <a:t>04.02.2024</a:t>
+              <a:t>05.02.2024</a:t>
             </a:fld>
             <a:endParaRPr lang="ru-RU"/>
           </a:p>
@@ -1730,7 +1735,7 @@
           <a:p>
             <a:fld id="{77DE911B-CBFB-491D-B940-0A62F44B44CC}" type="datetimeFigureOut">
               <a:rPr lang="ru-RU" smtClean="0"/>
-              <a:t>04.02.2024</a:t>
+              <a:t>05.02.2024</a:t>
             </a:fld>
             <a:endParaRPr lang="ru-RU"/>
           </a:p>
@@ -1825,7 +1830,7 @@
           <a:p>
             <a:fld id="{77DE911B-CBFB-491D-B940-0A62F44B44CC}" type="datetimeFigureOut">
               <a:rPr lang="ru-RU" smtClean="0"/>
-              <a:t>04.02.2024</a:t>
+              <a:t>05.02.2024</a:t>
             </a:fld>
             <a:endParaRPr lang="ru-RU"/>
           </a:p>
@@ -2102,7 +2107,7 @@
           <a:p>
             <a:fld id="{77DE911B-CBFB-491D-B940-0A62F44B44CC}" type="datetimeFigureOut">
               <a:rPr lang="ru-RU" smtClean="0"/>
-              <a:t>04.02.2024</a:t>
+              <a:t>05.02.2024</a:t>
             </a:fld>
             <a:endParaRPr lang="ru-RU"/>
           </a:p>
@@ -2355,7 +2360,7 @@
           <a:p>
             <a:fld id="{77DE911B-CBFB-491D-B940-0A62F44B44CC}" type="datetimeFigureOut">
               <a:rPr lang="ru-RU" smtClean="0"/>
-              <a:t>04.02.2024</a:t>
+              <a:t>05.02.2024</a:t>
             </a:fld>
             <a:endParaRPr lang="ru-RU"/>
           </a:p>
@@ -2568,7 +2573,7 @@
           <a:p>
             <a:fld id="{77DE911B-CBFB-491D-B940-0A62F44B44CC}" type="datetimeFigureOut">
               <a:rPr lang="ru-RU" smtClean="0"/>
-              <a:t>04.02.2024</a:t>
+              <a:t>05.02.2024</a:t>
             </a:fld>
             <a:endParaRPr lang="ru-RU"/>
           </a:p>
@@ -3962,7 +3967,7 @@
             </a:pPr>
             <a:r>
               <a:rPr lang="ru-RU" dirty="0" smtClean="0">
-                <a:latin typeface="Palatino Linotype" panose="02040502050505030304" pitchFamily="18" charset="0"/>
+                <a:latin typeface="Candara" panose="020E0502030303020204" pitchFamily="34" charset="0"/>
               </a:rPr>
               <a:t>Есть препятствия</a:t>
             </a:r>
@@ -3973,7 +3978,7 @@
             </a:pPr>
             <a:r>
               <a:rPr lang="ru-RU" dirty="0" smtClean="0">
-                <a:latin typeface="Palatino Linotype" panose="02040502050505030304" pitchFamily="18" charset="0"/>
+                <a:latin typeface="Candara" panose="020E0502030303020204" pitchFamily="34" charset="0"/>
               </a:rPr>
               <a:t>Имеются платформы</a:t>
             </a:r>
@@ -3984,7 +3989,7 @@
             </a:pPr>
             <a:r>
               <a:rPr lang="ru-RU" dirty="0" smtClean="0">
-                <a:latin typeface="Palatino Linotype" panose="02040502050505030304" pitchFamily="18" charset="0"/>
+                <a:latin typeface="Candara" panose="020E0502030303020204" pitchFamily="34" charset="0"/>
               </a:rPr>
               <a:t>Возможность накопления монет</a:t>
             </a:r>
@@ -3995,7 +4000,7 @@
             </a:pPr>
             <a:r>
               <a:rPr lang="ru-RU" dirty="0" smtClean="0">
-                <a:latin typeface="Palatino Linotype" panose="02040502050505030304" pitchFamily="18" charset="0"/>
+                <a:latin typeface="Candara" panose="020E0502030303020204" pitchFamily="34" charset="0"/>
               </a:rPr>
               <a:t>Уровни, прописанные в текстовом документе</a:t>
             </a:r>
@@ -4165,12 +4170,62 @@
             <p:ph idx="1"/>
           </p:nvPr>
         </p:nvSpPr>
-        <p:spPr/>
-        <p:txBody>
-          <a:bodyPr/>
-          <a:lstStyle/>
-          <a:p>
-            <a:endParaRPr lang="ru-RU" dirty="0"/>
+        <p:spPr>
+          <a:xfrm>
+            <a:off x="838200" y="1825625"/>
+            <a:ext cx="6186055" cy="4351338"/>
+          </a:xfrm>
+        </p:spPr>
+        <p:txBody>
+          <a:bodyPr/>
+          <a:lstStyle/>
+          <a:p>
+            <a:pPr marL="514350" indent="-514350">
+              <a:buAutoNum type="arabicPeriod"/>
+            </a:pPr>
+            <a:r>
+              <a:rPr lang="ru-RU" dirty="0" smtClean="0">
+                <a:latin typeface="Candara" panose="020E0502030303020204" pitchFamily="34" charset="0"/>
+              </a:rPr>
+              <a:t>Присутствуют различные классы</a:t>
+            </a:r>
+          </a:p>
+          <a:p>
+            <a:pPr marL="514350" indent="-514350">
+              <a:buAutoNum type="arabicPeriod"/>
+            </a:pPr>
+            <a:r>
+              <a:rPr lang="ru-RU" dirty="0" err="1" smtClean="0">
+                <a:latin typeface="Candara" panose="020E0502030303020204" pitchFamily="34" charset="0"/>
+              </a:rPr>
+              <a:t>Инкапусуляция</a:t>
+            </a:r>
+            <a:r>
+              <a:rPr lang="ru-RU" dirty="0" smtClean="0">
+                <a:latin typeface="Candara" panose="020E0502030303020204" pitchFamily="34" charset="0"/>
+              </a:rPr>
+              <a:t>, наследование</a:t>
+            </a:r>
+          </a:p>
+          <a:p>
+            <a:pPr marL="514350" indent="-514350">
+              <a:buAutoNum type="arabicPeriod"/>
+            </a:pPr>
+            <a:r>
+              <a:rPr lang="ru-RU" dirty="0" smtClean="0">
+                <a:latin typeface="Candara" panose="020E0502030303020204" pitchFamily="34" charset="0"/>
+              </a:rPr>
+              <a:t>В игру попадает после столкновения </a:t>
+            </a:r>
+            <a:r>
+              <a:rPr lang="ru-RU" dirty="0" smtClean="0">
+                <a:latin typeface="Candara" panose="020E0502030303020204" pitchFamily="34" charset="0"/>
+              </a:rPr>
+              <a:t>с препятствием</a:t>
+            </a:r>
+            <a:endParaRPr lang="ru-RU" dirty="0">
+              <a:latin typeface="Candara" panose="020E0502030303020204" pitchFamily="34" charset="0"/>
+            </a:endParaRPr>
           </a:p>
         </p:txBody>
       </p:sp>
